--- a/old-charts/chordpro.pptx
+++ b/old-charts/chordpro.pptx
@@ -3340,7 +3340,7 @@
         </p:nvSpPr>
         <p:spPr>
           <a:xfrm>
-            <a:off x="84083" y="669651"/>
+            <a:off x="-268186" y="176707"/>
             <a:ext cx="3741683" cy="518018"/>
           </a:xfrm>
         </p:spPr>
@@ -3352,7 +3352,7 @@
           <a:p>
             <a:r>
               <a:rPr lang="en-US" dirty="0"/>
-              <a:t>Repertoire Google Doc</a:t>
+              <a:t>Setlist Notes</a:t>
             </a:r>
           </a:p>
         </p:txBody>
@@ -3379,12 +3379,17 @@
         </p:blipFill>
         <p:spPr>
           <a:xfrm>
-            <a:off x="84083" y="1187669"/>
+            <a:off x="54102" y="588063"/>
             <a:ext cx="3915845" cy="4120056"/>
           </a:xfrm>
           <a:prstGeom prst="rect">
             <a:avLst/>
           </a:prstGeom>
+          <a:ln>
+            <a:solidFill>
+              <a:schemeClr val="accent1"/>
+            </a:solidFill>
+          </a:ln>
         </p:spPr>
       </p:pic>
       <p:pic>
@@ -3409,12 +3414,17 @@
         </p:blipFill>
         <p:spPr>
           <a:xfrm>
-            <a:off x="4318813" y="1200807"/>
+            <a:off x="2319968" y="1106081"/>
             <a:ext cx="3299958" cy="4724400"/>
           </a:xfrm>
           <a:prstGeom prst="rect">
             <a:avLst/>
           </a:prstGeom>
+          <a:ln>
+            <a:solidFill>
+              <a:schemeClr val="accent1"/>
+            </a:solidFill>
+          </a:ln>
         </p:spPr>
       </p:pic>
       <p:sp>
@@ -3433,8 +3443,8 @@
         </p:nvSpPr>
         <p:spPr>
           <a:xfrm>
-            <a:off x="3825766" y="669651"/>
-            <a:ext cx="3741683" cy="518018"/>
+            <a:off x="3944302" y="669651"/>
+            <a:ext cx="1675624" cy="518018"/>
           </a:xfrm>
           <a:prstGeom prst="rect">
             <a:avLst/>
@@ -3613,10 +3623,7 @@
               <a:rPr lang="en-US" dirty="0" err="1"/>
               <a:t>OnSong</a:t>
             </a:r>
-            <a:r>
-              <a:rPr lang="en-US" dirty="0"/>
-              <a:t>/PJ</a:t>
-            </a:r>
+            <a:endParaRPr lang="en-US" dirty="0"/>
           </a:p>
         </p:txBody>
       </p:sp>
@@ -3642,12 +3649,17 @@
         </p:blipFill>
         <p:spPr>
           <a:xfrm>
-            <a:off x="7886334" y="1187669"/>
+            <a:off x="4858321" y="1539938"/>
             <a:ext cx="4025806" cy="5144814"/>
           </a:xfrm>
           <a:prstGeom prst="rect">
             <a:avLst/>
           </a:prstGeom>
+          <a:ln>
+            <a:solidFill>
+              <a:schemeClr val="accent1"/>
+            </a:solidFill>
+          </a:ln>
         </p:spPr>
       </p:pic>
       <p:sp>
@@ -3666,8 +3678,8 @@
         </p:nvSpPr>
         <p:spPr>
           <a:xfrm>
-            <a:off x="7712172" y="682789"/>
-            <a:ext cx="3741683" cy="518018"/>
+            <a:off x="6033412" y="1064001"/>
+            <a:ext cx="1675624" cy="518018"/>
           </a:xfrm>
           <a:prstGeom prst="rect">
             <a:avLst/>
@@ -3844,7 +3856,7 @@
           <a:p>
             <a:r>
               <a:rPr lang="en-US" dirty="0"/>
-              <a:t>PDF/KH</a:t>
+              <a:t>PDF</a:t>
             </a:r>
           </a:p>
         </p:txBody>
